--- a/static/img/generated/wcc.pptx
+++ b/static/img/generated/wcc.pptx
@@ -3815,8 +3815,8 @@
         </p:blipFill>
         <p:spPr>
           <a:xfrm>
-            <a:off x="2846579" y="392471"/>
-            <a:ext cx="3450841" cy="4751029"/>
+            <a:off x="2717998" y="392471"/>
+            <a:ext cx="3708003" cy="4751029"/>
           </a:xfrm>
           <a:prstGeom prst="rect">
             <a:avLst/>

--- a/static/img/generated/wcc.pptx
+++ b/static/img/generated/wcc.pptx
@@ -4037,8 +4037,8 @@
         </p:blipFill>
         <p:spPr>
           <a:xfrm>
-            <a:off x="1474582" y="392471"/>
-            <a:ext cx="6194836" cy="4751029"/>
+            <a:off x="2501039" y="392471"/>
+            <a:ext cx="4141922" cy="4751029"/>
           </a:xfrm>
           <a:prstGeom prst="rect">
             <a:avLst/>

--- a/static/img/generated/wcc.pptx
+++ b/static/img/generated/wcc.pptx
@@ -3717,8 +3717,8 @@
         </p:blipFill>
         <p:spPr>
           <a:xfrm>
-            <a:off x="0" y="1176171"/>
-            <a:ext cx="9144000" cy="3183629"/>
+            <a:off x="0" y="1243985"/>
+            <a:ext cx="9144000" cy="3048000"/>
           </a:xfrm>
           <a:prstGeom prst="rect">
             <a:avLst/>
@@ -4037,8 +4037,8 @@
         </p:blipFill>
         <p:spPr>
           <a:xfrm>
-            <a:off x="2501039" y="392471"/>
-            <a:ext cx="4141922" cy="4751029"/>
+            <a:off x="2548080" y="392471"/>
+            <a:ext cx="4047840" cy="4751029"/>
           </a:xfrm>
           <a:prstGeom prst="rect">
             <a:avLst/>

--- a/static/img/generated/wcc.pptx
+++ b/static/img/generated/wcc.pptx
@@ -3134,8 +3134,8 @@
         </p:blipFill>
         <p:spPr>
           <a:xfrm>
-            <a:off x="2089650" y="392471"/>
-            <a:ext cx="4964699" cy="4751029"/>
+            <a:off x="1884589" y="0"/>
+            <a:ext cx="5374821" cy="5143500"/>
           </a:xfrm>
           <a:prstGeom prst="rect">
             <a:avLst/>
@@ -3151,7 +3151,7 @@
         <p:spPr>
           <a:xfrm>
             <a:off x="4001" y="6239"/>
-            <a:ext cx="9135998" cy="392471"/>
+            <a:ext cx="9135998" cy="0"/>
           </a:xfrm>
           <a:prstGeom prst="rect">
             <a:avLst/>
@@ -3177,7 +3177,7 @@
           <a:p>
             <a:r>
               <a:rPr b="1"/>
-              <a:t>root</a:t>
+              <a:t/>
             </a:r>
           </a:p>
         </p:txBody>
@@ -3192,8 +3192,8 @@
         </p:nvSpPr>
         <p:spPr>
           <a:xfrm>
-            <a:off x="3983357" y="1184309"/>
-            <a:ext cx="1176828" cy="293160"/>
+            <a:off x="3934731" y="857249"/>
+            <a:ext cx="1274054" cy="317380"/>
           </a:xfrm>
           <a:prstGeom prst="rect">
             <a:avLst/>
@@ -3218,8 +3218,8 @@
         </p:nvSpPr>
         <p:spPr>
           <a:xfrm>
-            <a:off x="3824152" y="1879785"/>
-            <a:ext cx="1495116" cy="293160"/>
+            <a:off x="3762374" y="1610178"/>
+            <a:ext cx="1618638" cy="317380"/>
           </a:xfrm>
           <a:prstGeom prst="rect">
             <a:avLst/>
@@ -3244,8 +3244,8 @@
         </p:nvSpPr>
         <p:spPr>
           <a:xfrm>
-            <a:off x="3924703" y="2575262"/>
-            <a:ext cx="1294092" cy="293160"/>
+            <a:off x="3871231" y="2363106"/>
+            <a:ext cx="1401006" cy="317380"/>
           </a:xfrm>
           <a:prstGeom prst="rect">
             <a:avLst/>
@@ -3270,8 +3270,8 @@
         </p:nvSpPr>
         <p:spPr>
           <a:xfrm>
-            <a:off x="3983357" y="3270739"/>
-            <a:ext cx="1181016" cy="293160"/>
+            <a:off x="3934731" y="3116035"/>
+            <a:ext cx="1278588" cy="317380"/>
           </a:xfrm>
           <a:prstGeom prst="rect">
             <a:avLst/>
@@ -3327,8 +3327,8 @@
         </p:blipFill>
         <p:spPr>
           <a:xfrm>
-            <a:off x="380473" y="392471"/>
-            <a:ext cx="8383053" cy="4751029"/>
+            <a:off x="348863" y="178321"/>
+            <a:ext cx="8446273" cy="4786858"/>
           </a:xfrm>
           <a:prstGeom prst="rect">
             <a:avLst/>
@@ -3344,7 +3344,7 @@
         <p:spPr>
           <a:xfrm>
             <a:off x="4001" y="6239"/>
-            <a:ext cx="9135998" cy="392471"/>
+            <a:ext cx="9135998" cy="0"/>
           </a:xfrm>
           <a:prstGeom prst="rect">
             <a:avLst/>
@@ -3369,17 +3369,8 @@
           </a:lstStyle>
           <a:p>
             <a:r>
-              <a:rPr>
-                <a:hlinkClick r:id="navLink0" invalidUrl="" action="ppaction://hlinksldjump" tgtFrame="" tooltip="" history="1" highlightClick="0" endSnd="0"/>
-              </a:rPr>
-              <a:t>root</a:t>
-            </a:r>
-            <a:r>
-              <a:t>  /  </a:t>
-            </a:r>
-            <a:r>
               <a:rPr b="1"/>
-              <a:t>gm</a:t>
+              <a:t/>
             </a:r>
           </a:p>
         </p:txBody>
@@ -3394,8 +3385,8 @@
         </p:nvSpPr>
         <p:spPr>
           <a:xfrm>
-            <a:off x="7056569" y="2545132"/>
-            <a:ext cx="606848" cy="331870"/>
+            <a:off x="7075306" y="2347216"/>
+            <a:ext cx="611456" cy="334390"/>
           </a:xfrm>
           <a:prstGeom prst="rect">
             <a:avLst/>
@@ -3451,8 +3442,8 @@
         </p:blipFill>
         <p:spPr>
           <a:xfrm>
-            <a:off x="1423642" y="392471"/>
-            <a:ext cx="6296716" cy="4751029"/>
+            <a:off x="1163564" y="0"/>
+            <a:ext cx="6816872" cy="5143500"/>
           </a:xfrm>
           <a:prstGeom prst="rect">
             <a:avLst/>
@@ -3468,7 +3459,7 @@
         <p:spPr>
           <a:xfrm>
             <a:off x="4001" y="6239"/>
-            <a:ext cx="9135998" cy="392471"/>
+            <a:ext cx="9135998" cy="0"/>
           </a:xfrm>
           <a:prstGeom prst="rect">
             <a:avLst/>
@@ -3493,26 +3484,8 @@
           </a:lstStyle>
           <a:p>
             <a:r>
-              <a:rPr>
-                <a:hlinkClick r:id="navLink0" invalidUrl="" action="ppaction://hlinksldjump" tgtFrame="" tooltip="" history="1" highlightClick="0" endSnd="0"/>
-              </a:rPr>
-              <a:t>root</a:t>
-            </a:r>
-            <a:r>
-              <a:t>  /  </a:t>
-            </a:r>
-            <a:r>
-              <a:rPr>
-                <a:hlinkClick r:id="navLink1" invalidUrl="" action="ppaction://hlinksldjump" tgtFrame="" tooltip="" history="1" highlightClick="0" endSnd="0"/>
-              </a:rPr>
-              <a:t>gm</a:t>
-            </a:r>
-            <a:r>
-              <a:t>  /  </a:t>
-            </a:r>
-            <a:r>
               <a:rPr b="1"/>
-              <a:t>1</a:t>
+              <a:t/>
             </a:r>
           </a:p>
         </p:txBody>
@@ -3527,8 +3500,8 @@
         </p:nvSpPr>
         <p:spPr>
           <a:xfrm>
-            <a:off x="6438221" y="2600595"/>
-            <a:ext cx="455808" cy="249270"/>
+            <a:off x="6592385" y="2390532"/>
+            <a:ext cx="493440" cy="269850"/>
           </a:xfrm>
           <a:prstGeom prst="rect">
             <a:avLst/>
@@ -3584,8 +3557,8 @@
         </p:blipFill>
         <p:spPr>
           <a:xfrm>
-            <a:off x="2098555" y="392471"/>
-            <a:ext cx="4946890" cy="4751029"/>
+            <a:off x="1444865" y="0"/>
+            <a:ext cx="6254269" cy="5143500"/>
           </a:xfrm>
           <a:prstGeom prst="rect">
             <a:avLst/>
@@ -3601,7 +3574,7 @@
         <p:spPr>
           <a:xfrm>
             <a:off x="4001" y="6239"/>
-            <a:ext cx="9135998" cy="392471"/>
+            <a:ext cx="9135998" cy="0"/>
           </a:xfrm>
           <a:prstGeom prst="rect">
             <a:avLst/>
@@ -3626,26 +3599,8 @@
           </a:lstStyle>
           <a:p>
             <a:r>
-              <a:rPr>
-                <a:hlinkClick r:id="navLink0" invalidUrl="" action="ppaction://hlinksldjump" tgtFrame="" tooltip="" history="1" highlightClick="0" endSnd="0"/>
-              </a:rPr>
-              <a:t>root</a:t>
-            </a:r>
-            <a:r>
-              <a:t>  /  </a:t>
-            </a:r>
-            <a:r>
-              <a:rPr>
-                <a:hlinkClick r:id="navLink1" invalidUrl="" action="ppaction://hlinksldjump" tgtFrame="" tooltip="" history="1" highlightClick="0" endSnd="0"/>
-              </a:rPr>
-              <a:t>gm</a:t>
-            </a:r>
-            <a:r>
-              <a:t>  /  </a:t>
-            </a:r>
-            <a:r>
               <a:rPr b="1"/>
-              <a:t>2</a:t>
+              <a:t/>
             </a:r>
           </a:p>
         </p:txBody>
@@ -3660,8 +3615,8 @@
         </p:nvSpPr>
         <p:spPr>
           <a:xfrm>
-            <a:off x="6038159" y="2636478"/>
-            <a:ext cx="358144" cy="195860"/>
+            <a:off x="6425640" y="2837060"/>
+            <a:ext cx="452736" cy="247590"/>
           </a:xfrm>
           <a:prstGeom prst="rect">
             <a:avLst/>
@@ -3717,7 +3672,7 @@
         </p:blipFill>
         <p:spPr>
           <a:xfrm>
-            <a:off x="0" y="1243985"/>
+            <a:off x="0" y="1047750"/>
             <a:ext cx="9144000" cy="3048000"/>
           </a:xfrm>
           <a:prstGeom prst="rect">
@@ -3734,7 +3689,7 @@
         <p:spPr>
           <a:xfrm>
             <a:off x="4001" y="6239"/>
-            <a:ext cx="9135998" cy="392471"/>
+            <a:ext cx="9135998" cy="0"/>
           </a:xfrm>
           <a:prstGeom prst="rect">
             <a:avLst/>
@@ -3759,17 +3714,8 @@
           </a:lstStyle>
           <a:p>
             <a:r>
-              <a:rPr>
-                <a:hlinkClick r:id="navLink0" invalidUrl="" action="ppaction://hlinksldjump" tgtFrame="" tooltip="" history="1" highlightClick="0" endSnd="0"/>
-              </a:rPr>
-              <a:t>root</a:t>
-            </a:r>
-            <a:r>
-              <a:t>  /  </a:t>
-            </a:r>
-            <a:r>
               <a:rPr b="1"/>
-              <a:t>qualify</a:t>
+              <a:t/>
             </a:r>
           </a:p>
         </p:txBody>
@@ -3815,8 +3761,8 @@
         </p:blipFill>
         <p:spPr>
           <a:xfrm>
-            <a:off x="2717998" y="392471"/>
-            <a:ext cx="3708003" cy="4751029"/>
+            <a:off x="2564844" y="0"/>
+            <a:ext cx="4014312" cy="5143500"/>
           </a:xfrm>
           <a:prstGeom prst="rect">
             <a:avLst/>
@@ -3832,7 +3778,7 @@
         <p:spPr>
           <a:xfrm>
             <a:off x="4001" y="6239"/>
-            <a:ext cx="9135998" cy="392471"/>
+            <a:ext cx="9135998" cy="0"/>
           </a:xfrm>
           <a:prstGeom prst="rect">
             <a:avLst/>
@@ -3857,17 +3803,8 @@
           </a:lstStyle>
           <a:p>
             <a:r>
-              <a:rPr>
-                <a:hlinkClick r:id="navLink0" invalidUrl="" action="ppaction://hlinksldjump" tgtFrame="" tooltip="" history="1" highlightClick="0" endSnd="0"/>
-              </a:rPr>
-              <a:t>root</a:t>
-            </a:r>
-            <a:r>
-              <a:t>  /  </a:t>
-            </a:r>
-            <a:r>
               <a:rPr b="1"/>
-              <a:t>win</a:t>
+              <a:t/>
             </a:r>
           </a:p>
         </p:txBody>
@@ -3913,8 +3850,8 @@
         </p:blipFill>
         <p:spPr>
           <a:xfrm>
-            <a:off x="1257329" y="392471"/>
-            <a:ext cx="6629342" cy="4751029"/>
+            <a:off x="983512" y="0"/>
+            <a:ext cx="7176976" cy="5143500"/>
           </a:xfrm>
           <a:prstGeom prst="rect">
             <a:avLst/>
@@ -3930,7 +3867,7 @@
         <p:spPr>
           <a:xfrm>
             <a:off x="4001" y="6239"/>
-            <a:ext cx="9135998" cy="392471"/>
+            <a:ext cx="9135998" cy="0"/>
           </a:xfrm>
           <a:prstGeom prst="rect">
             <a:avLst/>
@@ -3955,17 +3892,8 @@
           </a:lstStyle>
           <a:p>
             <a:r>
-              <a:rPr>
-                <a:hlinkClick r:id="navLink0" invalidUrl="" action="ppaction://hlinksldjump" tgtFrame="" tooltip="" history="1" highlightClick="0" endSnd="0"/>
-              </a:rPr>
-              <a:t>root</a:t>
-            </a:r>
-            <a:r>
-              <a:t>  /  </a:t>
-            </a:r>
-            <a:r>
               <a:rPr b="1"/>
-              <a:t>match</a:t>
+              <a:t/>
             </a:r>
           </a:p>
         </p:txBody>
@@ -3980,8 +3908,8 @@
         </p:nvSpPr>
         <p:spPr>
           <a:xfrm>
-            <a:off x="4141674" y="3166327"/>
-            <a:ext cx="860472" cy="406980"/>
+            <a:off x="4106126" y="3002997"/>
+            <a:ext cx="931512" cy="440580"/>
           </a:xfrm>
           <a:prstGeom prst="rect">
             <a:avLst/>
@@ -4037,8 +3965,8 @@
         </p:blipFill>
         <p:spPr>
           <a:xfrm>
-            <a:off x="2548080" y="392471"/>
-            <a:ext cx="4047840" cy="4751029"/>
+            <a:off x="2380889" y="0"/>
+            <a:ext cx="4382222" cy="5143500"/>
           </a:xfrm>
           <a:prstGeom prst="rect">
             <a:avLst/>
@@ -4054,7 +3982,7 @@
         <p:spPr>
           <a:xfrm>
             <a:off x="4001" y="6239"/>
-            <a:ext cx="9135998" cy="392471"/>
+            <a:ext cx="9135998" cy="0"/>
           </a:xfrm>
           <a:prstGeom prst="rect">
             <a:avLst/>
@@ -4079,26 +4007,8 @@
           </a:lstStyle>
           <a:p>
             <a:r>
-              <a:rPr>
-                <a:hlinkClick r:id="navLink0" invalidUrl="" action="ppaction://hlinksldjump" tgtFrame="" tooltip="" history="1" highlightClick="0" endSnd="0"/>
-              </a:rPr>
-              <a:t>root</a:t>
-            </a:r>
-            <a:r>
-              <a:t>  /  </a:t>
-            </a:r>
-            <a:r>
-              <a:rPr>
-                <a:hlinkClick r:id="navLink1" invalidUrl="" action="ppaction://hlinksldjump" tgtFrame="" tooltip="" history="1" highlightClick="0" endSnd="0"/>
-              </a:rPr>
-              <a:t>match</a:t>
-            </a:r>
-            <a:r>
-              <a:t>  /  </a:t>
-            </a:r>
-            <a:r>
               <a:rPr b="1"/>
-              <a:t>tiebreaks</a:t>
+              <a:t/>
             </a:r>
           </a:p>
         </p:txBody>

--- a/static/img/generated/wcc.pptx
+++ b/static/img/generated/wcc.pptx
@@ -3192,8 +3192,8 @@
         </p:nvSpPr>
         <p:spPr>
           <a:xfrm>
-            <a:off x="3934731" y="857249"/>
-            <a:ext cx="1274054" cy="317380"/>
+            <a:off x="4007303" y="857249"/>
+            <a:ext cx="1128966" cy="317380"/>
           </a:xfrm>
           <a:prstGeom prst="rect">
             <a:avLst/>
@@ -3218,8 +3218,8 @@
         </p:nvSpPr>
         <p:spPr>
           <a:xfrm>
-            <a:off x="3762374" y="1610178"/>
-            <a:ext cx="1618638" cy="317380"/>
+            <a:off x="3834945" y="1610178"/>
+            <a:ext cx="1473550" cy="317380"/>
           </a:xfrm>
           <a:prstGeom prst="rect">
             <a:avLst/>
@@ -3244,8 +3244,8 @@
         </p:nvSpPr>
         <p:spPr>
           <a:xfrm>
-            <a:off x="3871231" y="2363106"/>
-            <a:ext cx="1401006" cy="317380"/>
+            <a:off x="3943803" y="2363106"/>
+            <a:ext cx="1255918" cy="317380"/>
           </a:xfrm>
           <a:prstGeom prst="rect">
             <a:avLst/>
@@ -3270,8 +3270,8 @@
         </p:nvSpPr>
         <p:spPr>
           <a:xfrm>
-            <a:off x="3934731" y="3116035"/>
-            <a:ext cx="1278588" cy="317380"/>
+            <a:off x="4007303" y="3116035"/>
+            <a:ext cx="1133500" cy="317380"/>
           </a:xfrm>
           <a:prstGeom prst="rect">
             <a:avLst/>
@@ -3327,8 +3327,8 @@
         </p:blipFill>
         <p:spPr>
           <a:xfrm>
-            <a:off x="348863" y="178321"/>
-            <a:ext cx="8446273" cy="4786858"/>
+            <a:off x="348863" y="88427"/>
+            <a:ext cx="8446273" cy="4966646"/>
           </a:xfrm>
           <a:prstGeom prst="rect">
             <a:avLst/>
@@ -3385,8 +3385,8 @@
         </p:nvSpPr>
         <p:spPr>
           <a:xfrm>
-            <a:off x="7075306" y="2347216"/>
-            <a:ext cx="611456" cy="334390"/>
+            <a:off x="7327943" y="2338783"/>
+            <a:ext cx="317184" cy="346920"/>
           </a:xfrm>
           <a:prstGeom prst="rect">
             <a:avLst/>
@@ -3442,8 +3442,8 @@
         </p:blipFill>
         <p:spPr>
           <a:xfrm>
-            <a:off x="1163564" y="0"/>
-            <a:ext cx="6816872" cy="5143500"/>
+            <a:off x="1286946" y="0"/>
+            <a:ext cx="6570107" cy="5143500"/>
           </a:xfrm>
           <a:prstGeom prst="rect">
             <a:avLst/>
@@ -3500,8 +3500,8 @@
         </p:nvSpPr>
         <p:spPr>
           <a:xfrm>
-            <a:off x="6592385" y="2390532"/>
-            <a:ext cx="493440" cy="269850"/>
+            <a:off x="6715766" y="2390531"/>
+            <a:ext cx="246720" cy="269850"/>
           </a:xfrm>
           <a:prstGeom prst="rect">
             <a:avLst/>
@@ -3557,8 +3557,8 @@
         </p:blipFill>
         <p:spPr>
           <a:xfrm>
-            <a:off x="1444865" y="0"/>
-            <a:ext cx="6254269" cy="5143500"/>
+            <a:off x="1558065" y="0"/>
+            <a:ext cx="6027870" cy="5143500"/>
           </a:xfrm>
           <a:prstGeom prst="rect">
             <a:avLst/>
@@ -3615,8 +3615,8 @@
         </p:nvSpPr>
         <p:spPr>
           <a:xfrm>
-            <a:off x="6425640" y="2837060"/>
-            <a:ext cx="452736" cy="247590"/>
+            <a:off x="6538840" y="2837060"/>
+            <a:ext cx="226368" cy="247590"/>
           </a:xfrm>
           <a:prstGeom prst="rect">
             <a:avLst/>
@@ -3908,8 +3908,8 @@
         </p:nvSpPr>
         <p:spPr>
           <a:xfrm>
-            <a:off x="4106126" y="3002997"/>
-            <a:ext cx="931512" cy="440580"/>
+            <a:off x="4206855" y="3002997"/>
+            <a:ext cx="730104" cy="440580"/>
           </a:xfrm>
           <a:prstGeom prst="rect">
             <a:avLst/>
